--- a/Offline/TeacherRecruitment/ProspectusForTeachers.pptx
+++ b/Offline/TeacherRecruitment/ProspectusForTeachers.pptx
@@ -7,10 +7,10 @@
   <p:sldIdLst>
     <p:sldId id="256" r:id="rId2"/>
     <p:sldId id="257" r:id="rId3"/>
-    <p:sldId id="258" r:id="rId4"/>
-    <p:sldId id="259" r:id="rId5"/>
+    <p:sldId id="262" r:id="rId4"/>
+    <p:sldId id="263" r:id="rId5"/>
     <p:sldId id="261" r:id="rId6"/>
-    <p:sldId id="260" r:id="rId7"/>
+    <p:sldId id="264" r:id="rId7"/>
   </p:sldIdLst>
   <p:sldSz cx="6858000" cy="9906000" type="A4"/>
   <p:notesSz cx="6858000" cy="9144000"/>
@@ -109,6 +109,11 @@
       </a:defRPr>
     </a:lvl9pPr>
   </p:defaultTextStyle>
+  <p:extLst>
+    <p:ext uri="{EFAFB233-063F-42B5-8137-9DF3F51BA10A}">
+      <p15:sldGuideLst xmlns:p15="http://schemas.microsoft.com/office/powerpoint/2012/main"/>
+    </p:ext>
+  </p:extLst>
 </p:presentation>
 </file>
 
@@ -243,7 +248,7 @@
           <a:p>
             <a:fld id="{0EE359B2-6821-463A-9F55-FBE19028075F}" type="datetimeFigureOut">
               <a:rPr lang="en-AU" smtClean="0"/>
-              <a:t>26/05/2023</a:t>
+              <a:t>27/05/2023</a:t>
             </a:fld>
             <a:endParaRPr lang="en-AU"/>
           </a:p>
@@ -413,7 +418,7 @@
           <a:p>
             <a:fld id="{0EE359B2-6821-463A-9F55-FBE19028075F}" type="datetimeFigureOut">
               <a:rPr lang="en-AU" smtClean="0"/>
-              <a:t>26/05/2023</a:t>
+              <a:t>27/05/2023</a:t>
             </a:fld>
             <a:endParaRPr lang="en-AU"/>
           </a:p>
@@ -593,7 +598,7 @@
           <a:p>
             <a:fld id="{0EE359B2-6821-463A-9F55-FBE19028075F}" type="datetimeFigureOut">
               <a:rPr lang="en-AU" smtClean="0"/>
-              <a:t>26/05/2023</a:t>
+              <a:t>27/05/2023</a:t>
             </a:fld>
             <a:endParaRPr lang="en-AU"/>
           </a:p>
@@ -763,7 +768,7 @@
           <a:p>
             <a:fld id="{0EE359B2-6821-463A-9F55-FBE19028075F}" type="datetimeFigureOut">
               <a:rPr lang="en-AU" smtClean="0"/>
-              <a:t>26/05/2023</a:t>
+              <a:t>27/05/2023</a:t>
             </a:fld>
             <a:endParaRPr lang="en-AU"/>
           </a:p>
@@ -1007,7 +1012,7 @@
           <a:p>
             <a:fld id="{0EE359B2-6821-463A-9F55-FBE19028075F}" type="datetimeFigureOut">
               <a:rPr lang="en-AU" smtClean="0"/>
-              <a:t>26/05/2023</a:t>
+              <a:t>27/05/2023</a:t>
             </a:fld>
             <a:endParaRPr lang="en-AU"/>
           </a:p>
@@ -1239,7 +1244,7 @@
           <a:p>
             <a:fld id="{0EE359B2-6821-463A-9F55-FBE19028075F}" type="datetimeFigureOut">
               <a:rPr lang="en-AU" smtClean="0"/>
-              <a:t>26/05/2023</a:t>
+              <a:t>27/05/2023</a:t>
             </a:fld>
             <a:endParaRPr lang="en-AU"/>
           </a:p>
@@ -1606,7 +1611,7 @@
           <a:p>
             <a:fld id="{0EE359B2-6821-463A-9F55-FBE19028075F}" type="datetimeFigureOut">
               <a:rPr lang="en-AU" smtClean="0"/>
-              <a:t>26/05/2023</a:t>
+              <a:t>27/05/2023</a:t>
             </a:fld>
             <a:endParaRPr lang="en-AU"/>
           </a:p>
@@ -1724,7 +1729,7 @@
           <a:p>
             <a:fld id="{0EE359B2-6821-463A-9F55-FBE19028075F}" type="datetimeFigureOut">
               <a:rPr lang="en-AU" smtClean="0"/>
-              <a:t>26/05/2023</a:t>
+              <a:t>27/05/2023</a:t>
             </a:fld>
             <a:endParaRPr lang="en-AU"/>
           </a:p>
@@ -1819,7 +1824,7 @@
           <a:p>
             <a:fld id="{0EE359B2-6821-463A-9F55-FBE19028075F}" type="datetimeFigureOut">
               <a:rPr lang="en-AU" smtClean="0"/>
-              <a:t>26/05/2023</a:t>
+              <a:t>27/05/2023</a:t>
             </a:fld>
             <a:endParaRPr lang="en-AU"/>
           </a:p>
@@ -2096,7 +2101,7 @@
           <a:p>
             <a:fld id="{0EE359B2-6821-463A-9F55-FBE19028075F}" type="datetimeFigureOut">
               <a:rPr lang="en-AU" smtClean="0"/>
-              <a:t>26/05/2023</a:t>
+              <a:t>27/05/2023</a:t>
             </a:fld>
             <a:endParaRPr lang="en-AU"/>
           </a:p>
@@ -2353,7 +2358,7 @@
           <a:p>
             <a:fld id="{0EE359B2-6821-463A-9F55-FBE19028075F}" type="datetimeFigureOut">
               <a:rPr lang="en-AU" smtClean="0"/>
-              <a:t>26/05/2023</a:t>
+              <a:t>27/05/2023</a:t>
             </a:fld>
             <a:endParaRPr lang="en-AU"/>
           </a:p>
@@ -2566,7 +2571,7 @@
           <a:p>
             <a:fld id="{0EE359B2-6821-463A-9F55-FBE19028075F}" type="datetimeFigureOut">
               <a:rPr lang="en-AU" smtClean="0"/>
-              <a:t>26/05/2023</a:t>
+              <a:t>27/05/2023</a:t>
             </a:fld>
             <a:endParaRPr lang="en-AU"/>
           </a:p>
@@ -3791,43 +3796,7 @@
                 </a:solidFill>
                 <a:latin typeface="Oxygen" panose="02000503000000000000" pitchFamily="2" charset="0"/>
               </a:rPr>
-              <a:t>Board, </a:t>
-            </a:r>
-            <a:r>
-              <a:rPr lang="en-AU" sz="1200" b="1" dirty="0" smtClean="0">
-                <a:solidFill>
-                  <a:srgbClr val="E27847"/>
-                </a:solidFill>
-                <a:latin typeface="Oxygen" panose="02000503000000000000" pitchFamily="2" charset="0"/>
-              </a:rPr>
-              <a:t>A</a:t>
-            </a:r>
-            <a:r>
-              <a:rPr lang="en-AU" sz="1200" b="1" dirty="0" smtClean="0">
-                <a:solidFill>
-                  <a:srgbClr val="E27847"/>
-                </a:solidFill>
-                <a:latin typeface="Oxygen" panose="02000503000000000000" pitchFamily="2" charset="0"/>
-              </a:rPr>
-              <a:t>ll </a:t>
-            </a:r>
-            <a:r>
-              <a:rPr lang="en-AU" sz="1200" b="1" dirty="0" smtClean="0">
-                <a:solidFill>
-                  <a:srgbClr val="E27847"/>
-                </a:solidFill>
-                <a:latin typeface="Oxygen" panose="02000503000000000000" pitchFamily="2" charset="0"/>
-              </a:rPr>
-              <a:t>S</a:t>
-            </a:r>
-            <a:r>
-              <a:rPr lang="en-AU" sz="1200" b="1" dirty="0" smtClean="0">
-                <a:solidFill>
-                  <a:srgbClr val="E27847"/>
-                </a:solidFill>
-                <a:latin typeface="Oxygen" panose="02000503000000000000" pitchFamily="2" charset="0"/>
-              </a:rPr>
-              <a:t>ubjects, Class VI-XII </a:t>
+              <a:t>Board, All Subjects, Class VI-XII </a:t>
             </a:r>
             <a:endParaRPr lang="en-AU" sz="1200" b="1" dirty="0">
               <a:solidFill>
@@ -3851,25 +3820,7 @@
                 </a:solidFill>
                 <a:latin typeface="Oxygen" panose="02000503000000000000" pitchFamily="2" charset="0"/>
               </a:rPr>
-              <a:t>IIT/JEE/NEET </a:t>
-            </a:r>
-            <a:r>
-              <a:rPr lang="en-AU" sz="1200" b="1" dirty="0" smtClean="0">
-                <a:solidFill>
-                  <a:srgbClr val="E27847"/>
-                </a:solidFill>
-                <a:latin typeface="Oxygen" panose="02000503000000000000" pitchFamily="2" charset="0"/>
-              </a:rPr>
-              <a:t>&amp; O</a:t>
-            </a:r>
-            <a:r>
-              <a:rPr lang="en-AU" sz="1200" b="1" dirty="0" smtClean="0">
-                <a:solidFill>
-                  <a:srgbClr val="E27847"/>
-                </a:solidFill>
-                <a:latin typeface="Oxygen" panose="02000503000000000000" pitchFamily="2" charset="0"/>
-              </a:rPr>
-              <a:t>ther </a:t>
+              <a:t>IIT/JEE/NEET &amp; Other </a:t>
             </a:r>
             <a:r>
               <a:rPr lang="en-AU" sz="1200" b="1" dirty="0">
@@ -3965,34 +3916,16 @@
                 </a:solidFill>
                 <a:latin typeface="Oxygen" panose="02000503000000000000" pitchFamily="2" charset="0"/>
               </a:rPr>
-              <a:t>Bes</a:t>
-            </a:r>
-            <a:r>
-              <a:rPr lang="en-AU" sz="1200" b="1" dirty="0" smtClean="0">
+              <a:t>Best Location, </a:t>
+            </a:r>
+            <a:r>
+              <a:rPr lang="en-US" sz="1200" b="1" dirty="0" smtClean="0">
                 <a:solidFill>
                   <a:srgbClr val="E27847"/>
                 </a:solidFill>
                 <a:latin typeface="Oxygen" panose="02000503000000000000" pitchFamily="2" charset="0"/>
               </a:rPr>
-              <a:t>t Location, </a:t>
-            </a:r>
-            <a:r>
-              <a:rPr lang="en-US" sz="1200" b="1" dirty="0" smtClean="0">
-                <a:solidFill>
-                  <a:srgbClr val="E27847"/>
-                </a:solidFill>
-                <a:latin typeface="Oxygen" panose="02000503000000000000" pitchFamily="2" charset="0"/>
-              </a:rPr>
-              <a:t>Largest</a:t>
-            </a:r>
-            <a:r>
-              <a:rPr lang="en-US" sz="1200" b="1" dirty="0" smtClean="0">
-                <a:solidFill>
-                  <a:srgbClr val="E27847"/>
-                </a:solidFill>
-                <a:latin typeface="Oxygen" panose="02000503000000000000" pitchFamily="2" charset="0"/>
-              </a:rPr>
-              <a:t> Coaching center in Kolkata</a:t>
+              <a:t>Largest Coaching center in Kolkata</a:t>
             </a:r>
           </a:p>
           <a:p>
@@ -4010,25 +3943,7 @@
                 </a:solidFill>
                 <a:latin typeface="Oxygen" panose="02000503000000000000" pitchFamily="2" charset="0"/>
               </a:rPr>
-              <a:t>Smart and</a:t>
-            </a:r>
-            <a:r>
-              <a:rPr lang="en-US" sz="1200" b="1" dirty="0" smtClean="0">
-                <a:solidFill>
-                  <a:srgbClr val="E27847"/>
-                </a:solidFill>
-                <a:latin typeface="Oxygen" panose="02000503000000000000" pitchFamily="2" charset="0"/>
-              </a:rPr>
-              <a:t> </a:t>
-            </a:r>
-            <a:r>
-              <a:rPr lang="en-US" sz="1200" b="1" dirty="0" smtClean="0">
-                <a:solidFill>
-                  <a:srgbClr val="E27847"/>
-                </a:solidFill>
-                <a:latin typeface="Oxygen" panose="02000503000000000000" pitchFamily="2" charset="0"/>
-              </a:rPr>
-              <a:t>Air-Conditioned </a:t>
+              <a:t>Smart and Air-Conditioned </a:t>
             </a:r>
             <a:r>
               <a:rPr lang="en-US" sz="1200" b="1" dirty="0">
@@ -4070,34 +3985,7 @@
                 </a:solidFill>
                 <a:latin typeface="Oxygen" panose="02000503000000000000" pitchFamily="2" charset="0"/>
               </a:rPr>
-              <a:t>Supporting </a:t>
-            </a:r>
-            <a:r>
-              <a:rPr lang="en-AU" sz="1200" b="1" dirty="0" smtClean="0">
-                <a:solidFill>
-                  <a:srgbClr val="E27847"/>
-                </a:solidFill>
-                <a:latin typeface="Oxygen" panose="02000503000000000000" pitchFamily="2" charset="0"/>
-              </a:rPr>
-              <a:t>Edtech </a:t>
-            </a:r>
-            <a:r>
-              <a:rPr lang="en-AU" sz="1200" b="1" dirty="0" smtClean="0">
-                <a:solidFill>
-                  <a:srgbClr val="E27847"/>
-                </a:solidFill>
-                <a:latin typeface="Oxygen" panose="02000503000000000000" pitchFamily="2" charset="0"/>
-              </a:rPr>
-              <a:t>Mobile A</a:t>
-            </a:r>
-            <a:r>
-              <a:rPr lang="en-AU" sz="1200" b="1" dirty="0" smtClean="0">
-                <a:solidFill>
-                  <a:srgbClr val="E27847"/>
-                </a:solidFill>
-                <a:latin typeface="Oxygen" panose="02000503000000000000" pitchFamily="2" charset="0"/>
-              </a:rPr>
-              <a:t>pp and Website</a:t>
+              <a:t>Supporting Edtech Mobile App and Website</a:t>
             </a:r>
           </a:p>
           <a:p>
@@ -4313,50 +4201,8 @@
                 </a:solidFill>
                 <a:latin typeface="Oxygen" panose="02000503000000000000" pitchFamily="2" charset="0"/>
               </a:rPr>
-              <a:t>Professional </a:t>
-            </a:r>
-            <a:r>
-              <a:rPr lang="en-AU" sz="1050" b="1" dirty="0">
-                <a:solidFill>
-                  <a:srgbClr val="C86432"/>
-                </a:solidFill>
-                <a:latin typeface="Oxygen" panose="02000503000000000000" pitchFamily="2" charset="0"/>
-              </a:rPr>
-              <a:t>&amp; </a:t>
-            </a:r>
-            <a:r>
-              <a:rPr lang="en-AU" sz="1050" b="1" dirty="0">
-                <a:solidFill>
-                  <a:srgbClr val="C86432"/>
-                </a:solidFill>
-                <a:latin typeface="Oxygen" panose="02000503000000000000" pitchFamily="2" charset="0"/>
-              </a:rPr>
-              <a:t>Gratifying </a:t>
-            </a:r>
-            <a:r>
-              <a:rPr lang="en-AU" sz="1050" b="1" dirty="0">
-                <a:solidFill>
-                  <a:srgbClr val="C86432"/>
-                </a:solidFill>
-                <a:latin typeface="Oxygen" panose="02000503000000000000" pitchFamily="2" charset="0"/>
-              </a:rPr>
-              <a:t>E</a:t>
-            </a:r>
-            <a:r>
-              <a:rPr lang="en-AU" sz="1050" b="1" dirty="0">
-                <a:solidFill>
-                  <a:srgbClr val="C86432"/>
-                </a:solidFill>
-                <a:latin typeface="Oxygen" panose="02000503000000000000" pitchFamily="2" charset="0"/>
-              </a:rPr>
-              <a:t>nvironment</a:t>
-            </a:r>
-            <a:endParaRPr lang="en-AU" sz="1050" b="1" dirty="0">
-              <a:solidFill>
-                <a:srgbClr val="C86432"/>
-              </a:solidFill>
-              <a:latin typeface="Oxygen" panose="02000503000000000000" pitchFamily="2" charset="0"/>
-            </a:endParaRPr>
+              <a:t>Professional &amp; Gratifying Environment</a:t>
+            </a:r>
           </a:p>
           <a:p>
             <a:pPr marL="285744" indent="-285744">
@@ -4645,25 +4491,7 @@
                 </a:solidFill>
                 <a:latin typeface="Oxygen" panose="02000503000000000000" pitchFamily="2" charset="0"/>
               </a:rPr>
-              <a:t>eetings </a:t>
-            </a:r>
-            <a:r>
-              <a:rPr lang="en-AU" sz="1050" b="1" dirty="0" smtClean="0">
-                <a:solidFill>
-                  <a:srgbClr val="C86432"/>
-                </a:solidFill>
-                <a:latin typeface="Oxygen" panose="02000503000000000000" pitchFamily="2" charset="0"/>
-              </a:rPr>
-              <a:t>&amp; </a:t>
-            </a:r>
-            <a:r>
-              <a:rPr lang="en-AU" sz="1050" b="1" dirty="0" smtClean="0">
-                <a:solidFill>
-                  <a:srgbClr val="C86432"/>
-                </a:solidFill>
-                <a:latin typeface="Oxygen" panose="02000503000000000000" pitchFamily="2" charset="0"/>
-              </a:rPr>
-              <a:t>360</a:t>
+              <a:t>eetings &amp; 360</a:t>
             </a:r>
             <a:r>
               <a:rPr lang="en-AU" sz="1100" b="1" baseline="30000" dirty="0">
@@ -4681,25 +4509,7 @@
                 </a:solidFill>
                 <a:latin typeface="Oxygen" panose="02000503000000000000" pitchFamily="2" charset="0"/>
               </a:rPr>
-              <a:t> </a:t>
-            </a:r>
-            <a:r>
-              <a:rPr lang="en-AU" sz="1050" b="1" dirty="0" smtClean="0">
-                <a:solidFill>
-                  <a:srgbClr val="C86432"/>
-                </a:solidFill>
-                <a:latin typeface="Oxygen" panose="02000503000000000000" pitchFamily="2" charset="0"/>
-              </a:rPr>
-              <a:t>F</a:t>
-            </a:r>
-            <a:r>
-              <a:rPr lang="en-AU" sz="1050" b="1" dirty="0" smtClean="0">
-                <a:solidFill>
-                  <a:srgbClr val="C86432"/>
-                </a:solidFill>
-                <a:latin typeface="Oxygen" panose="02000503000000000000" pitchFamily="2" charset="0"/>
-              </a:rPr>
-              <a:t>eedbacks</a:t>
+              <a:t> Feedbacks</a:t>
             </a:r>
             <a:endParaRPr lang="en-AU" sz="1050" b="1" dirty="0">
               <a:solidFill>
@@ -5806,7 +5616,7 @@
           <p:nvPr/>
         </p:nvPicPr>
         <p:blipFill>
-          <a:blip r:embed="rId3">
+          <a:blip r:embed="rId2">
             <a:extLst>
               <a:ext uri="{28A0092B-C50C-407E-A947-70E740481C1C}">
                 <a14:useLocalDpi xmlns:a14="http://schemas.microsoft.com/office/drawing/2010/main" val="0"/>
@@ -5847,7 +5657,7 @@
           <p:nvPr/>
         </p:nvPicPr>
         <p:blipFill>
-          <a:blip r:embed="rId4"/>
+          <a:blip r:embed="rId3"/>
           <a:stretch>
             <a:fillRect/>
           </a:stretch>
@@ -5862,9 +5672,33 @@
           </a:prstGeom>
         </p:spPr>
       </p:pic>
+      <p:pic>
+        <p:nvPicPr>
+          <p:cNvPr id="3" name="Picture 2"/>
+          <p:cNvPicPr>
+            <a:picLocks noChangeAspect="1"/>
+          </p:cNvPicPr>
+          <p:nvPr/>
+        </p:nvPicPr>
+        <p:blipFill>
+          <a:blip r:embed="rId4"/>
+          <a:stretch>
+            <a:fillRect/>
+          </a:stretch>
+        </p:blipFill>
+        <p:spPr>
+          <a:xfrm>
+            <a:off x="895619" y="1452301"/>
+            <a:ext cx="5088534" cy="7153803"/>
+          </a:xfrm>
+          <a:prstGeom prst="rect">
+            <a:avLst/>
+          </a:prstGeom>
+        </p:spPr>
+      </p:pic>
       <p:cxnSp>
         <p:nvCxnSpPr>
-          <p:cNvPr id="10" name="Straight Connector 9"/>
+          <p:cNvPr id="8" name="Straight Connector 7"/>
           <p:cNvCxnSpPr/>
           <p:nvPr/>
         </p:nvCxnSpPr>
@@ -5903,13 +5737,20 @@
     </p:spTree>
     <p:extLst>
       <p:ext uri="{BB962C8B-B14F-4D97-AF65-F5344CB8AC3E}">
-        <p14:creationId xmlns:p14="http://schemas.microsoft.com/office/powerpoint/2010/main" val="55500132"/>
+        <p14:creationId xmlns:p14="http://schemas.microsoft.com/office/powerpoint/2010/main" val="1753944341"/>
       </p:ext>
     </p:extLst>
   </p:cSld>
   <p:clrMapOvr>
     <a:masterClrMapping/>
   </p:clrMapOvr>
+  <p:timing>
+    <p:tnLst>
+      <p:par>
+        <p:cTn id="1" dur="indefinite" restart="never" nodeType="tmRoot"/>
+      </p:par>
+    </p:tnLst>
+  </p:timing>
 </p:sld>
 </file>
 
@@ -5995,10 +5836,34 @@
           </a:prstGeom>
         </p:spPr>
       </p:pic>
+      <p:pic>
+        <p:nvPicPr>
+          <p:cNvPr id="3" name="Picture 2"/>
+          <p:cNvPicPr>
+            <a:picLocks noChangeAspect="1"/>
+          </p:cNvPicPr>
+          <p:nvPr/>
+        </p:nvPicPr>
+        <p:blipFill>
+          <a:blip r:embed="rId4"/>
+          <a:stretch>
+            <a:fillRect/>
+          </a:stretch>
+        </p:blipFill>
+        <p:spPr>
+          <a:xfrm>
+            <a:off x="895619" y="1452301"/>
+            <a:ext cx="5088534" cy="7153803"/>
+          </a:xfrm>
+          <a:prstGeom prst="rect">
+            <a:avLst/>
+          </a:prstGeom>
+        </p:spPr>
+      </p:pic>
     </p:spTree>
     <p:extLst>
       <p:ext uri="{BB962C8B-B14F-4D97-AF65-F5344CB8AC3E}">
-        <p14:creationId xmlns:p14="http://schemas.microsoft.com/office/powerpoint/2010/main" val="1121707908"/>
+        <p14:creationId xmlns:p14="http://schemas.microsoft.com/office/powerpoint/2010/main" val="271714112"/>
       </p:ext>
     </p:extLst>
   </p:cSld>
@@ -6135,6 +6000,30 @@
           </a:fontRef>
         </p:style>
       </p:cxnSp>
+      <p:pic>
+        <p:nvPicPr>
+          <p:cNvPr id="5" name="Picture 4"/>
+          <p:cNvPicPr>
+            <a:picLocks noChangeAspect="1"/>
+          </p:cNvPicPr>
+          <p:nvPr/>
+        </p:nvPicPr>
+        <p:blipFill>
+          <a:blip r:embed="rId4"/>
+          <a:stretch>
+            <a:fillRect/>
+          </a:stretch>
+        </p:blipFill>
+        <p:spPr>
+          <a:xfrm>
+            <a:off x="845684" y="1276352"/>
+            <a:ext cx="5210175" cy="7505700"/>
+          </a:xfrm>
+          <a:prstGeom prst="rect">
+            <a:avLst/>
+          </a:prstGeom>
+        </p:spPr>
+      </p:pic>
     </p:spTree>
     <p:extLst>
       <p:ext uri="{BB962C8B-B14F-4D97-AF65-F5344CB8AC3E}">
@@ -6230,10 +6119,34 @@
           </a:prstGeom>
         </p:spPr>
       </p:pic>
+      <p:pic>
+        <p:nvPicPr>
+          <p:cNvPr id="5" name="Picture 4"/>
+          <p:cNvPicPr>
+            <a:picLocks noChangeAspect="1"/>
+          </p:cNvPicPr>
+          <p:nvPr/>
+        </p:nvPicPr>
+        <p:blipFill>
+          <a:blip r:embed="rId4"/>
+          <a:stretch>
+            <a:fillRect/>
+          </a:stretch>
+        </p:blipFill>
+        <p:spPr>
+          <a:xfrm>
+            <a:off x="845684" y="1276352"/>
+            <a:ext cx="5210175" cy="7505700"/>
+          </a:xfrm>
+          <a:prstGeom prst="rect">
+            <a:avLst/>
+          </a:prstGeom>
+        </p:spPr>
+      </p:pic>
     </p:spTree>
     <p:extLst>
       <p:ext uri="{BB962C8B-B14F-4D97-AF65-F5344CB8AC3E}">
-        <p14:creationId xmlns:p14="http://schemas.microsoft.com/office/powerpoint/2010/main" val="212691983"/>
+        <p14:creationId xmlns:p14="http://schemas.microsoft.com/office/powerpoint/2010/main" val="4221643374"/>
       </p:ext>
     </p:extLst>
   </p:cSld>

--- a/Offline/TeacherRecruitment/ProspectusForTeachers.pptx
+++ b/Offline/TeacherRecruitment/ProspectusForTeachers.pptx
@@ -8,9 +8,9 @@
     <p:sldId id="256" r:id="rId2"/>
     <p:sldId id="257" r:id="rId3"/>
     <p:sldId id="262" r:id="rId4"/>
-    <p:sldId id="263" r:id="rId5"/>
+    <p:sldId id="265" r:id="rId5"/>
     <p:sldId id="261" r:id="rId6"/>
-    <p:sldId id="264" r:id="rId7"/>
+    <p:sldId id="266" r:id="rId7"/>
   </p:sldIdLst>
   <p:sldSz cx="6858000" cy="9906000" type="A4"/>
   <p:notesSz cx="6858000" cy="9144000"/>
@@ -248,7 +248,7 @@
           <a:p>
             <a:fld id="{0EE359B2-6821-463A-9F55-FBE19028075F}" type="datetimeFigureOut">
               <a:rPr lang="en-AU" smtClean="0"/>
-              <a:t>27/05/2023</a:t>
+              <a:t>7/06/2023</a:t>
             </a:fld>
             <a:endParaRPr lang="en-AU"/>
           </a:p>
@@ -418,7 +418,7 @@
           <a:p>
             <a:fld id="{0EE359B2-6821-463A-9F55-FBE19028075F}" type="datetimeFigureOut">
               <a:rPr lang="en-AU" smtClean="0"/>
-              <a:t>27/05/2023</a:t>
+              <a:t>7/06/2023</a:t>
             </a:fld>
             <a:endParaRPr lang="en-AU"/>
           </a:p>
@@ -598,7 +598,7 @@
           <a:p>
             <a:fld id="{0EE359B2-6821-463A-9F55-FBE19028075F}" type="datetimeFigureOut">
               <a:rPr lang="en-AU" smtClean="0"/>
-              <a:t>27/05/2023</a:t>
+              <a:t>7/06/2023</a:t>
             </a:fld>
             <a:endParaRPr lang="en-AU"/>
           </a:p>
@@ -768,7 +768,7 @@
           <a:p>
             <a:fld id="{0EE359B2-6821-463A-9F55-FBE19028075F}" type="datetimeFigureOut">
               <a:rPr lang="en-AU" smtClean="0"/>
-              <a:t>27/05/2023</a:t>
+              <a:t>7/06/2023</a:t>
             </a:fld>
             <a:endParaRPr lang="en-AU"/>
           </a:p>
@@ -1012,7 +1012,7 @@
           <a:p>
             <a:fld id="{0EE359B2-6821-463A-9F55-FBE19028075F}" type="datetimeFigureOut">
               <a:rPr lang="en-AU" smtClean="0"/>
-              <a:t>27/05/2023</a:t>
+              <a:t>7/06/2023</a:t>
             </a:fld>
             <a:endParaRPr lang="en-AU"/>
           </a:p>
@@ -1244,7 +1244,7 @@
           <a:p>
             <a:fld id="{0EE359B2-6821-463A-9F55-FBE19028075F}" type="datetimeFigureOut">
               <a:rPr lang="en-AU" smtClean="0"/>
-              <a:t>27/05/2023</a:t>
+              <a:t>7/06/2023</a:t>
             </a:fld>
             <a:endParaRPr lang="en-AU"/>
           </a:p>
@@ -1611,7 +1611,7 @@
           <a:p>
             <a:fld id="{0EE359B2-6821-463A-9F55-FBE19028075F}" type="datetimeFigureOut">
               <a:rPr lang="en-AU" smtClean="0"/>
-              <a:t>27/05/2023</a:t>
+              <a:t>7/06/2023</a:t>
             </a:fld>
             <a:endParaRPr lang="en-AU"/>
           </a:p>
@@ -1729,7 +1729,7 @@
           <a:p>
             <a:fld id="{0EE359B2-6821-463A-9F55-FBE19028075F}" type="datetimeFigureOut">
               <a:rPr lang="en-AU" smtClean="0"/>
-              <a:t>27/05/2023</a:t>
+              <a:t>7/06/2023</a:t>
             </a:fld>
             <a:endParaRPr lang="en-AU"/>
           </a:p>
@@ -1824,7 +1824,7 @@
           <a:p>
             <a:fld id="{0EE359B2-6821-463A-9F55-FBE19028075F}" type="datetimeFigureOut">
               <a:rPr lang="en-AU" smtClean="0"/>
-              <a:t>27/05/2023</a:t>
+              <a:t>7/06/2023</a:t>
             </a:fld>
             <a:endParaRPr lang="en-AU"/>
           </a:p>
@@ -2101,7 +2101,7 @@
           <a:p>
             <a:fld id="{0EE359B2-6821-463A-9F55-FBE19028075F}" type="datetimeFigureOut">
               <a:rPr lang="en-AU" smtClean="0"/>
-              <a:t>27/05/2023</a:t>
+              <a:t>7/06/2023</a:t>
             </a:fld>
             <a:endParaRPr lang="en-AU"/>
           </a:p>
@@ -2358,7 +2358,7 @@
           <a:p>
             <a:fld id="{0EE359B2-6821-463A-9F55-FBE19028075F}" type="datetimeFigureOut">
               <a:rPr lang="en-AU" smtClean="0"/>
-              <a:t>27/05/2023</a:t>
+              <a:t>7/06/2023</a:t>
             </a:fld>
             <a:endParaRPr lang="en-AU"/>
           </a:p>
@@ -2571,7 +2571,7 @@
           <a:p>
             <a:fld id="{0EE359B2-6821-463A-9F55-FBE19028075F}" type="datetimeFigureOut">
               <a:rPr lang="en-AU" smtClean="0"/>
-              <a:t>27/05/2023</a:t>
+              <a:t>7/06/2023</a:t>
             </a:fld>
             <a:endParaRPr lang="en-AU"/>
           </a:p>
@@ -5672,30 +5672,6 @@
           </a:prstGeom>
         </p:spPr>
       </p:pic>
-      <p:pic>
-        <p:nvPicPr>
-          <p:cNvPr id="3" name="Picture 2"/>
-          <p:cNvPicPr>
-            <a:picLocks noChangeAspect="1"/>
-          </p:cNvPicPr>
-          <p:nvPr/>
-        </p:nvPicPr>
-        <p:blipFill>
-          <a:blip r:embed="rId4"/>
-          <a:stretch>
-            <a:fillRect/>
-          </a:stretch>
-        </p:blipFill>
-        <p:spPr>
-          <a:xfrm>
-            <a:off x="895619" y="1452301"/>
-            <a:ext cx="5088534" cy="7153803"/>
-          </a:xfrm>
-          <a:prstGeom prst="rect">
-            <a:avLst/>
-          </a:prstGeom>
-        </p:spPr>
-      </p:pic>
       <p:cxnSp>
         <p:nvCxnSpPr>
           <p:cNvPr id="8" name="Straight Connector 7"/>
@@ -5734,6 +5710,30 @@
           </a:fontRef>
         </p:style>
       </p:cxnSp>
+      <p:pic>
+        <p:nvPicPr>
+          <p:cNvPr id="2" name="Picture 1"/>
+          <p:cNvPicPr>
+            <a:picLocks noChangeAspect="1"/>
+          </p:cNvPicPr>
+          <p:nvPr/>
+        </p:nvPicPr>
+        <p:blipFill>
+          <a:blip r:embed="rId4"/>
+          <a:stretch>
+            <a:fillRect/>
+          </a:stretch>
+        </p:blipFill>
+        <p:spPr>
+          <a:xfrm>
+            <a:off x="1018440" y="1629747"/>
+            <a:ext cx="4762500" cy="7083136"/>
+          </a:xfrm>
+          <a:prstGeom prst="rect">
+            <a:avLst/>
+          </a:prstGeom>
+        </p:spPr>
+      </p:pic>
     </p:spTree>
     <p:extLst>
       <p:ext uri="{BB962C8B-B14F-4D97-AF65-F5344CB8AC3E}">
@@ -5838,7 +5838,7 @@
       </p:pic>
       <p:pic>
         <p:nvPicPr>
-          <p:cNvPr id="3" name="Picture 2"/>
+          <p:cNvPr id="2" name="Picture 1"/>
           <p:cNvPicPr>
             <a:picLocks noChangeAspect="1"/>
           </p:cNvPicPr>
@@ -5852,8 +5852,8 @@
         </p:blipFill>
         <p:spPr>
           <a:xfrm>
-            <a:off x="895619" y="1452301"/>
-            <a:ext cx="5088534" cy="7153803"/>
+            <a:off x="1018440" y="1629747"/>
+            <a:ext cx="4762500" cy="7083136"/>
           </a:xfrm>
           <a:prstGeom prst="rect">
             <a:avLst/>
@@ -5863,7 +5863,7 @@
     </p:spTree>
     <p:extLst>
       <p:ext uri="{BB962C8B-B14F-4D97-AF65-F5344CB8AC3E}">
-        <p14:creationId xmlns:p14="http://schemas.microsoft.com/office/powerpoint/2010/main" val="271714112"/>
+        <p14:creationId xmlns:p14="http://schemas.microsoft.com/office/powerpoint/2010/main" val="839659068"/>
       </p:ext>
     </p:extLst>
   </p:cSld>
@@ -6002,7 +6002,7 @@
       </p:cxnSp>
       <p:pic>
         <p:nvPicPr>
-          <p:cNvPr id="5" name="Picture 4"/>
+          <p:cNvPr id="3" name="Picture 2"/>
           <p:cNvPicPr>
             <a:picLocks noChangeAspect="1"/>
           </p:cNvPicPr>
@@ -6016,8 +6016,8 @@
         </p:blipFill>
         <p:spPr>
           <a:xfrm>
-            <a:off x="845684" y="1276352"/>
-            <a:ext cx="5210175" cy="7505700"/>
+            <a:off x="1043495" y="1528924"/>
+            <a:ext cx="4797136" cy="7057159"/>
           </a:xfrm>
           <a:prstGeom prst="rect">
             <a:avLst/>
@@ -6121,7 +6121,7 @@
       </p:pic>
       <p:pic>
         <p:nvPicPr>
-          <p:cNvPr id="5" name="Picture 4"/>
+          <p:cNvPr id="3" name="Picture 2"/>
           <p:cNvPicPr>
             <a:picLocks noChangeAspect="1"/>
           </p:cNvPicPr>
@@ -6135,8 +6135,8 @@
         </p:blipFill>
         <p:spPr>
           <a:xfrm>
-            <a:off x="845684" y="1276352"/>
-            <a:ext cx="5210175" cy="7505700"/>
+            <a:off x="1043495" y="1528924"/>
+            <a:ext cx="4797136" cy="7057159"/>
           </a:xfrm>
           <a:prstGeom prst="rect">
             <a:avLst/>
@@ -6146,7 +6146,7 @@
     </p:spTree>
     <p:extLst>
       <p:ext uri="{BB962C8B-B14F-4D97-AF65-F5344CB8AC3E}">
-        <p14:creationId xmlns:p14="http://schemas.microsoft.com/office/powerpoint/2010/main" val="4221643374"/>
+        <p14:creationId xmlns:p14="http://schemas.microsoft.com/office/powerpoint/2010/main" val="3119470912"/>
       </p:ext>
     </p:extLst>
   </p:cSld>

--- a/Offline/TeacherRecruitment/ProspectusForTeachers.pptx
+++ b/Offline/TeacherRecruitment/ProspectusForTeachers.pptx
@@ -159,7 +159,7 @@
           </a:lstStyle>
           <a:p>
             <a:r>
-              <a:rPr lang="en-US" smtClean="0"/>
+              <a:rPr lang="en-US"/>
               <a:t>Click to edit Master title style</a:t>
             </a:r>
             <a:endParaRPr lang="en-US" dirty="0"/>
@@ -224,7 +224,7 @@
           </a:lstStyle>
           <a:p>
             <a:r>
-              <a:rPr lang="en-US" smtClean="0"/>
+              <a:rPr lang="en-US"/>
               <a:t>Click to edit Master subtitle style</a:t>
             </a:r>
             <a:endParaRPr lang="en-US" dirty="0"/>
@@ -248,7 +248,7 @@
           <a:p>
             <a:fld id="{0EE359B2-6821-463A-9F55-FBE19028075F}" type="datetimeFigureOut">
               <a:rPr lang="en-AU" smtClean="0"/>
-              <a:t>7/06/2023</a:t>
+              <a:t>28/07/2023</a:t>
             </a:fld>
             <a:endParaRPr lang="en-AU"/>
           </a:p>
@@ -342,7 +342,7 @@
           <a:lstStyle/>
           <a:p>
             <a:r>
-              <a:rPr lang="en-US" smtClean="0"/>
+              <a:rPr lang="en-US"/>
               <a:t>Click to edit Master title style</a:t>
             </a:r>
             <a:endParaRPr lang="en-US" dirty="0"/>
@@ -366,35 +366,35 @@
           <a:p>
             <a:pPr lvl="0"/>
             <a:r>
-              <a:rPr lang="en-US" smtClean="0"/>
+              <a:rPr lang="en-US"/>
               <a:t>Click to edit Master text styles</a:t>
             </a:r>
           </a:p>
           <a:p>
             <a:pPr lvl="1"/>
             <a:r>
-              <a:rPr lang="en-US" smtClean="0"/>
+              <a:rPr lang="en-US"/>
               <a:t>Second level</a:t>
             </a:r>
           </a:p>
           <a:p>
             <a:pPr lvl="2"/>
             <a:r>
-              <a:rPr lang="en-US" smtClean="0"/>
+              <a:rPr lang="en-US"/>
               <a:t>Third level</a:t>
             </a:r>
           </a:p>
           <a:p>
             <a:pPr lvl="3"/>
             <a:r>
-              <a:rPr lang="en-US" smtClean="0"/>
+              <a:rPr lang="en-US"/>
               <a:t>Fourth level</a:t>
             </a:r>
           </a:p>
           <a:p>
             <a:pPr lvl="4"/>
             <a:r>
-              <a:rPr lang="en-US" smtClean="0"/>
+              <a:rPr lang="en-US"/>
               <a:t>Fifth level</a:t>
             </a:r>
             <a:endParaRPr lang="en-US" dirty="0"/>
@@ -418,7 +418,7 @@
           <a:p>
             <a:fld id="{0EE359B2-6821-463A-9F55-FBE19028075F}" type="datetimeFigureOut">
               <a:rPr lang="en-AU" smtClean="0"/>
-              <a:t>7/06/2023</a:t>
+              <a:t>28/07/2023</a:t>
             </a:fld>
             <a:endParaRPr lang="en-AU"/>
           </a:p>
@@ -517,7 +517,7 @@
           <a:lstStyle/>
           <a:p>
             <a:r>
-              <a:rPr lang="en-US" smtClean="0"/>
+              <a:rPr lang="en-US"/>
               <a:t>Click to edit Master title style</a:t>
             </a:r>
             <a:endParaRPr lang="en-US" dirty="0"/>
@@ -546,35 +546,35 @@
           <a:p>
             <a:pPr lvl="0"/>
             <a:r>
-              <a:rPr lang="en-US" smtClean="0"/>
+              <a:rPr lang="en-US"/>
               <a:t>Click to edit Master text styles</a:t>
             </a:r>
           </a:p>
           <a:p>
             <a:pPr lvl="1"/>
             <a:r>
-              <a:rPr lang="en-US" smtClean="0"/>
+              <a:rPr lang="en-US"/>
               <a:t>Second level</a:t>
             </a:r>
           </a:p>
           <a:p>
             <a:pPr lvl="2"/>
             <a:r>
-              <a:rPr lang="en-US" smtClean="0"/>
+              <a:rPr lang="en-US"/>
               <a:t>Third level</a:t>
             </a:r>
           </a:p>
           <a:p>
             <a:pPr lvl="3"/>
             <a:r>
-              <a:rPr lang="en-US" smtClean="0"/>
+              <a:rPr lang="en-US"/>
               <a:t>Fourth level</a:t>
             </a:r>
           </a:p>
           <a:p>
             <a:pPr lvl="4"/>
             <a:r>
-              <a:rPr lang="en-US" smtClean="0"/>
+              <a:rPr lang="en-US"/>
               <a:t>Fifth level</a:t>
             </a:r>
             <a:endParaRPr lang="en-US" dirty="0"/>
@@ -598,7 +598,7 @@
           <a:p>
             <a:fld id="{0EE359B2-6821-463A-9F55-FBE19028075F}" type="datetimeFigureOut">
               <a:rPr lang="en-AU" smtClean="0"/>
-              <a:t>7/06/2023</a:t>
+              <a:t>28/07/2023</a:t>
             </a:fld>
             <a:endParaRPr lang="en-AU"/>
           </a:p>
@@ -692,7 +692,7 @@
           <a:lstStyle/>
           <a:p>
             <a:r>
-              <a:rPr lang="en-US" smtClean="0"/>
+              <a:rPr lang="en-US"/>
               <a:t>Click to edit Master title style</a:t>
             </a:r>
             <a:endParaRPr lang="en-US" dirty="0"/>
@@ -716,35 +716,35 @@
           <a:p>
             <a:pPr lvl="0"/>
             <a:r>
-              <a:rPr lang="en-US" smtClean="0"/>
+              <a:rPr lang="en-US"/>
               <a:t>Click to edit Master text styles</a:t>
             </a:r>
           </a:p>
           <a:p>
             <a:pPr lvl="1"/>
             <a:r>
-              <a:rPr lang="en-US" smtClean="0"/>
+              <a:rPr lang="en-US"/>
               <a:t>Second level</a:t>
             </a:r>
           </a:p>
           <a:p>
             <a:pPr lvl="2"/>
             <a:r>
-              <a:rPr lang="en-US" smtClean="0"/>
+              <a:rPr lang="en-US"/>
               <a:t>Third level</a:t>
             </a:r>
           </a:p>
           <a:p>
             <a:pPr lvl="3"/>
             <a:r>
-              <a:rPr lang="en-US" smtClean="0"/>
+              <a:rPr lang="en-US"/>
               <a:t>Fourth level</a:t>
             </a:r>
           </a:p>
           <a:p>
             <a:pPr lvl="4"/>
             <a:r>
-              <a:rPr lang="en-US" smtClean="0"/>
+              <a:rPr lang="en-US"/>
               <a:t>Fifth level</a:t>
             </a:r>
             <a:endParaRPr lang="en-US" dirty="0"/>
@@ -768,7 +768,7 @@
           <a:p>
             <a:fld id="{0EE359B2-6821-463A-9F55-FBE19028075F}" type="datetimeFigureOut">
               <a:rPr lang="en-AU" smtClean="0"/>
-              <a:t>7/06/2023</a:t>
+              <a:t>28/07/2023</a:t>
             </a:fld>
             <a:endParaRPr lang="en-AU"/>
           </a:p>
@@ -871,7 +871,7 @@
           </a:lstStyle>
           <a:p>
             <a:r>
-              <a:rPr lang="en-US" smtClean="0"/>
+              <a:rPr lang="en-US"/>
               <a:t>Click to edit Master title style</a:t>
             </a:r>
             <a:endParaRPr lang="en-US" dirty="0"/>
@@ -989,7 +989,7 @@
           <a:p>
             <a:pPr lvl="0"/>
             <a:r>
-              <a:rPr lang="en-US" smtClean="0"/>
+              <a:rPr lang="en-US"/>
               <a:t>Click to edit Master text styles</a:t>
             </a:r>
           </a:p>
@@ -1012,7 +1012,7 @@
           <a:p>
             <a:fld id="{0EE359B2-6821-463A-9F55-FBE19028075F}" type="datetimeFigureOut">
               <a:rPr lang="en-AU" smtClean="0"/>
-              <a:t>7/06/2023</a:t>
+              <a:t>28/07/2023</a:t>
             </a:fld>
             <a:endParaRPr lang="en-AU"/>
           </a:p>
@@ -1106,7 +1106,7 @@
           <a:lstStyle/>
           <a:p>
             <a:r>
-              <a:rPr lang="en-US" smtClean="0"/>
+              <a:rPr lang="en-US"/>
               <a:t>Click to edit Master title style</a:t>
             </a:r>
             <a:endParaRPr lang="en-US" dirty="0"/>
@@ -1135,35 +1135,35 @@
           <a:p>
             <a:pPr lvl="0"/>
             <a:r>
-              <a:rPr lang="en-US" smtClean="0"/>
+              <a:rPr lang="en-US"/>
               <a:t>Click to edit Master text styles</a:t>
             </a:r>
           </a:p>
           <a:p>
             <a:pPr lvl="1"/>
             <a:r>
-              <a:rPr lang="en-US" smtClean="0"/>
+              <a:rPr lang="en-US"/>
               <a:t>Second level</a:t>
             </a:r>
           </a:p>
           <a:p>
             <a:pPr lvl="2"/>
             <a:r>
-              <a:rPr lang="en-US" smtClean="0"/>
+              <a:rPr lang="en-US"/>
               <a:t>Third level</a:t>
             </a:r>
           </a:p>
           <a:p>
             <a:pPr lvl="3"/>
             <a:r>
-              <a:rPr lang="en-US" smtClean="0"/>
+              <a:rPr lang="en-US"/>
               <a:t>Fourth level</a:t>
             </a:r>
           </a:p>
           <a:p>
             <a:pPr lvl="4"/>
             <a:r>
-              <a:rPr lang="en-US" smtClean="0"/>
+              <a:rPr lang="en-US"/>
               <a:t>Fifth level</a:t>
             </a:r>
             <a:endParaRPr lang="en-US" dirty="0"/>
@@ -1192,35 +1192,35 @@
           <a:p>
             <a:pPr lvl="0"/>
             <a:r>
-              <a:rPr lang="en-US" smtClean="0"/>
+              <a:rPr lang="en-US"/>
               <a:t>Click to edit Master text styles</a:t>
             </a:r>
           </a:p>
           <a:p>
             <a:pPr lvl="1"/>
             <a:r>
-              <a:rPr lang="en-US" smtClean="0"/>
+              <a:rPr lang="en-US"/>
               <a:t>Second level</a:t>
             </a:r>
           </a:p>
           <a:p>
             <a:pPr lvl="2"/>
             <a:r>
-              <a:rPr lang="en-US" smtClean="0"/>
+              <a:rPr lang="en-US"/>
               <a:t>Third level</a:t>
             </a:r>
           </a:p>
           <a:p>
             <a:pPr lvl="3"/>
             <a:r>
-              <a:rPr lang="en-US" smtClean="0"/>
+              <a:rPr lang="en-US"/>
               <a:t>Fourth level</a:t>
             </a:r>
           </a:p>
           <a:p>
             <a:pPr lvl="4"/>
             <a:r>
-              <a:rPr lang="en-US" smtClean="0"/>
+              <a:rPr lang="en-US"/>
               <a:t>Fifth level</a:t>
             </a:r>
             <a:endParaRPr lang="en-US" dirty="0"/>
@@ -1244,7 +1244,7 @@
           <a:p>
             <a:fld id="{0EE359B2-6821-463A-9F55-FBE19028075F}" type="datetimeFigureOut">
               <a:rPr lang="en-AU" smtClean="0"/>
-              <a:t>7/06/2023</a:t>
+              <a:t>28/07/2023</a:t>
             </a:fld>
             <a:endParaRPr lang="en-AU"/>
           </a:p>
@@ -1343,7 +1343,7 @@
           <a:lstStyle/>
           <a:p>
             <a:r>
-              <a:rPr lang="en-US" smtClean="0"/>
+              <a:rPr lang="en-US"/>
               <a:t>Click to edit Master title style</a:t>
             </a:r>
             <a:endParaRPr lang="en-US" dirty="0"/>
@@ -1409,7 +1409,7 @@
           <a:p>
             <a:pPr lvl="0"/>
             <a:r>
-              <a:rPr lang="en-US" smtClean="0"/>
+              <a:rPr lang="en-US"/>
               <a:t>Click to edit Master text styles</a:t>
             </a:r>
           </a:p>
@@ -1437,35 +1437,35 @@
           <a:p>
             <a:pPr lvl="0"/>
             <a:r>
-              <a:rPr lang="en-US" smtClean="0"/>
+              <a:rPr lang="en-US"/>
               <a:t>Click to edit Master text styles</a:t>
             </a:r>
           </a:p>
           <a:p>
             <a:pPr lvl="1"/>
             <a:r>
-              <a:rPr lang="en-US" smtClean="0"/>
+              <a:rPr lang="en-US"/>
               <a:t>Second level</a:t>
             </a:r>
           </a:p>
           <a:p>
             <a:pPr lvl="2"/>
             <a:r>
-              <a:rPr lang="en-US" smtClean="0"/>
+              <a:rPr lang="en-US"/>
               <a:t>Third level</a:t>
             </a:r>
           </a:p>
           <a:p>
             <a:pPr lvl="3"/>
             <a:r>
-              <a:rPr lang="en-US" smtClean="0"/>
+              <a:rPr lang="en-US"/>
               <a:t>Fourth level</a:t>
             </a:r>
           </a:p>
           <a:p>
             <a:pPr lvl="4"/>
             <a:r>
-              <a:rPr lang="en-US" smtClean="0"/>
+              <a:rPr lang="en-US"/>
               <a:t>Fifth level</a:t>
             </a:r>
             <a:endParaRPr lang="en-US" dirty="0"/>
@@ -1531,7 +1531,7 @@
           <a:p>
             <a:pPr lvl="0"/>
             <a:r>
-              <a:rPr lang="en-US" smtClean="0"/>
+              <a:rPr lang="en-US"/>
               <a:t>Click to edit Master text styles</a:t>
             </a:r>
           </a:p>
@@ -1559,35 +1559,35 @@
           <a:p>
             <a:pPr lvl="0"/>
             <a:r>
-              <a:rPr lang="en-US" smtClean="0"/>
+              <a:rPr lang="en-US"/>
               <a:t>Click to edit Master text styles</a:t>
             </a:r>
           </a:p>
           <a:p>
             <a:pPr lvl="1"/>
             <a:r>
-              <a:rPr lang="en-US" smtClean="0"/>
+              <a:rPr lang="en-US"/>
               <a:t>Second level</a:t>
             </a:r>
           </a:p>
           <a:p>
             <a:pPr lvl="2"/>
             <a:r>
-              <a:rPr lang="en-US" smtClean="0"/>
+              <a:rPr lang="en-US"/>
               <a:t>Third level</a:t>
             </a:r>
           </a:p>
           <a:p>
             <a:pPr lvl="3"/>
             <a:r>
-              <a:rPr lang="en-US" smtClean="0"/>
+              <a:rPr lang="en-US"/>
               <a:t>Fourth level</a:t>
             </a:r>
           </a:p>
           <a:p>
             <a:pPr lvl="4"/>
             <a:r>
-              <a:rPr lang="en-US" smtClean="0"/>
+              <a:rPr lang="en-US"/>
               <a:t>Fifth level</a:t>
             </a:r>
             <a:endParaRPr lang="en-US" dirty="0"/>
@@ -1611,7 +1611,7 @@
           <a:p>
             <a:fld id="{0EE359B2-6821-463A-9F55-FBE19028075F}" type="datetimeFigureOut">
               <a:rPr lang="en-AU" smtClean="0"/>
-              <a:t>7/06/2023</a:t>
+              <a:t>28/07/2023</a:t>
             </a:fld>
             <a:endParaRPr lang="en-AU"/>
           </a:p>
@@ -1705,7 +1705,7 @@
           <a:lstStyle/>
           <a:p>
             <a:r>
-              <a:rPr lang="en-US" smtClean="0"/>
+              <a:rPr lang="en-US"/>
               <a:t>Click to edit Master title style</a:t>
             </a:r>
             <a:endParaRPr lang="en-US" dirty="0"/>
@@ -1729,7 +1729,7 @@
           <a:p>
             <a:fld id="{0EE359B2-6821-463A-9F55-FBE19028075F}" type="datetimeFigureOut">
               <a:rPr lang="en-AU" smtClean="0"/>
-              <a:t>7/06/2023</a:t>
+              <a:t>28/07/2023</a:t>
             </a:fld>
             <a:endParaRPr lang="en-AU"/>
           </a:p>
@@ -1824,7 +1824,7 @@
           <a:p>
             <a:fld id="{0EE359B2-6821-463A-9F55-FBE19028075F}" type="datetimeFigureOut">
               <a:rPr lang="en-AU" smtClean="0"/>
-              <a:t>7/06/2023</a:t>
+              <a:t>28/07/2023</a:t>
             </a:fld>
             <a:endParaRPr lang="en-AU"/>
           </a:p>
@@ -1927,7 +1927,7 @@
           </a:lstStyle>
           <a:p>
             <a:r>
-              <a:rPr lang="en-US" smtClean="0"/>
+              <a:rPr lang="en-US"/>
               <a:t>Click to edit Master title style</a:t>
             </a:r>
             <a:endParaRPr lang="en-US" dirty="0"/>
@@ -1984,35 +1984,35 @@
           <a:p>
             <a:pPr lvl="0"/>
             <a:r>
-              <a:rPr lang="en-US" smtClean="0"/>
+              <a:rPr lang="en-US"/>
               <a:t>Click to edit Master text styles</a:t>
             </a:r>
           </a:p>
           <a:p>
             <a:pPr lvl="1"/>
             <a:r>
-              <a:rPr lang="en-US" smtClean="0"/>
+              <a:rPr lang="en-US"/>
               <a:t>Second level</a:t>
             </a:r>
           </a:p>
           <a:p>
             <a:pPr lvl="2"/>
             <a:r>
-              <a:rPr lang="en-US" smtClean="0"/>
+              <a:rPr lang="en-US"/>
               <a:t>Third level</a:t>
             </a:r>
           </a:p>
           <a:p>
             <a:pPr lvl="3"/>
             <a:r>
-              <a:rPr lang="en-US" smtClean="0"/>
+              <a:rPr lang="en-US"/>
               <a:t>Fourth level</a:t>
             </a:r>
           </a:p>
           <a:p>
             <a:pPr lvl="4"/>
             <a:r>
-              <a:rPr lang="en-US" smtClean="0"/>
+              <a:rPr lang="en-US"/>
               <a:t>Fifth level</a:t>
             </a:r>
             <a:endParaRPr lang="en-US" dirty="0"/>
@@ -2078,7 +2078,7 @@
           <a:p>
             <a:pPr lvl="0"/>
             <a:r>
-              <a:rPr lang="en-US" smtClean="0"/>
+              <a:rPr lang="en-US"/>
               <a:t>Click to edit Master text styles</a:t>
             </a:r>
           </a:p>
@@ -2101,7 +2101,7 @@
           <a:p>
             <a:fld id="{0EE359B2-6821-463A-9F55-FBE19028075F}" type="datetimeFigureOut">
               <a:rPr lang="en-AU" smtClean="0"/>
-              <a:t>7/06/2023</a:t>
+              <a:t>28/07/2023</a:t>
             </a:fld>
             <a:endParaRPr lang="en-AU"/>
           </a:p>
@@ -2204,7 +2204,7 @@
           </a:lstStyle>
           <a:p>
             <a:r>
-              <a:rPr lang="en-US" smtClean="0"/>
+              <a:rPr lang="en-US"/>
               <a:t>Click to edit Master title style</a:t>
             </a:r>
             <a:endParaRPr lang="en-US" dirty="0"/>
@@ -2269,7 +2269,7 @@
           </a:lstStyle>
           <a:p>
             <a:r>
-              <a:rPr lang="en-US" smtClean="0"/>
+              <a:rPr lang="en-US"/>
               <a:t>Click icon to add picture</a:t>
             </a:r>
             <a:endParaRPr lang="en-US" dirty="0"/>
@@ -2335,7 +2335,7 @@
           <a:p>
             <a:pPr lvl="0"/>
             <a:r>
-              <a:rPr lang="en-US" smtClean="0"/>
+              <a:rPr lang="en-US"/>
               <a:t>Click to edit Master text styles</a:t>
             </a:r>
           </a:p>
@@ -2358,7 +2358,7 @@
           <a:p>
             <a:fld id="{0EE359B2-6821-463A-9F55-FBE19028075F}" type="datetimeFigureOut">
               <a:rPr lang="en-AU" smtClean="0"/>
-              <a:t>7/06/2023</a:t>
+              <a:t>28/07/2023</a:t>
             </a:fld>
             <a:endParaRPr lang="en-AU"/>
           </a:p>
@@ -2467,7 +2467,7 @@
           <a:lstStyle/>
           <a:p>
             <a:r>
-              <a:rPr lang="en-US" smtClean="0"/>
+              <a:rPr lang="en-US"/>
               <a:t>Click to edit Master title style</a:t>
             </a:r>
             <a:endParaRPr lang="en-US" dirty="0"/>
@@ -2501,35 +2501,35 @@
           <a:p>
             <a:pPr lvl="0"/>
             <a:r>
-              <a:rPr lang="en-US" smtClean="0"/>
+              <a:rPr lang="en-US"/>
               <a:t>Click to edit Master text styles</a:t>
             </a:r>
           </a:p>
           <a:p>
             <a:pPr lvl="1"/>
             <a:r>
-              <a:rPr lang="en-US" smtClean="0"/>
+              <a:rPr lang="en-US"/>
               <a:t>Second level</a:t>
             </a:r>
           </a:p>
           <a:p>
             <a:pPr lvl="2"/>
             <a:r>
-              <a:rPr lang="en-US" smtClean="0"/>
+              <a:rPr lang="en-US"/>
               <a:t>Third level</a:t>
             </a:r>
           </a:p>
           <a:p>
             <a:pPr lvl="3"/>
             <a:r>
-              <a:rPr lang="en-US" smtClean="0"/>
+              <a:rPr lang="en-US"/>
               <a:t>Fourth level</a:t>
             </a:r>
           </a:p>
           <a:p>
             <a:pPr lvl="4"/>
             <a:r>
-              <a:rPr lang="en-US" smtClean="0"/>
+              <a:rPr lang="en-US"/>
               <a:t>Fifth level</a:t>
             </a:r>
             <a:endParaRPr lang="en-US" dirty="0"/>
@@ -2571,7 +2571,7 @@
           <a:p>
             <a:fld id="{0EE359B2-6821-463A-9F55-FBE19028075F}" type="datetimeFigureOut">
               <a:rPr lang="en-AU" smtClean="0"/>
-              <a:t>7/06/2023</a:t>
+              <a:t>28/07/2023</a:t>
             </a:fld>
             <a:endParaRPr lang="en-AU"/>
           </a:p>
@@ -3279,7 +3279,7 @@
               <a:lstStyle/>
               <a:p>
                 <a:r>
-                  <a:rPr lang="en-US" sz="3200" b="1" dirty="0" smtClean="0">
+                  <a:rPr lang="en-US" sz="3200" b="1" dirty="0">
                     <a:solidFill>
                       <a:schemeClr val="bg1"/>
                     </a:solidFill>
@@ -3313,7 +3313,7 @@
               <a:lstStyle/>
               <a:p>
                 <a:r>
-                  <a:rPr lang="en-US" sz="1200" b="1" i="1" dirty="0" smtClean="0">
+                  <a:rPr lang="en-US" sz="1200" b="1" i="1" dirty="0">
                     <a:solidFill>
                       <a:schemeClr val="bg1"/>
                     </a:solidFill>
@@ -3787,23 +3787,8 @@
                 </a:solidFill>
                 <a:latin typeface="Oxygen" panose="02000503000000000000" pitchFamily="2" charset="0"/>
               </a:rPr>
-              <a:t>ICSE/CBSE/WB </a:t>
-            </a:r>
-            <a:r>
-              <a:rPr lang="en-AU" sz="1200" b="1" dirty="0" smtClean="0">
-                <a:solidFill>
-                  <a:srgbClr val="E27847"/>
-                </a:solidFill>
-                <a:latin typeface="Oxygen" panose="02000503000000000000" pitchFamily="2" charset="0"/>
-              </a:rPr>
-              <a:t>Board, All Subjects, Class VI-XII </a:t>
-            </a:r>
-            <a:endParaRPr lang="en-AU" sz="1200" b="1" dirty="0">
-              <a:solidFill>
-                <a:srgbClr val="E27847"/>
-              </a:solidFill>
-              <a:latin typeface="Oxygen" panose="02000503000000000000" pitchFamily="2" charset="0"/>
-            </a:endParaRPr>
+              <a:t>ICSE/CBSE/WB Board, All Subjects, Class VI-XII </a:t>
+            </a:r>
           </a:p>
           <a:p>
             <a:pPr marL="171450" indent="-171450" algn="ctr">
@@ -3814,49 +3799,13 @@
               <a:buChar char="v"/>
             </a:pPr>
             <a:r>
-              <a:rPr lang="en-AU" sz="1200" b="1" dirty="0" smtClean="0">
-                <a:solidFill>
-                  <a:srgbClr val="E27847"/>
-                </a:solidFill>
-                <a:latin typeface="Oxygen" panose="02000503000000000000" pitchFamily="2" charset="0"/>
-              </a:rPr>
-              <a:t>IIT/JEE/NEET &amp; Other </a:t>
-            </a:r>
-            <a:r>
               <a:rPr lang="en-AU" sz="1200" b="1" dirty="0">
                 <a:solidFill>
                   <a:srgbClr val="E27847"/>
                 </a:solidFill>
                 <a:latin typeface="Oxygen" panose="02000503000000000000" pitchFamily="2" charset="0"/>
               </a:rPr>
-              <a:t>C</a:t>
-            </a:r>
-            <a:r>
-              <a:rPr lang="en-AU" sz="1200" b="1" dirty="0" smtClean="0">
-                <a:solidFill>
-                  <a:srgbClr val="E27847"/>
-                </a:solidFill>
-                <a:latin typeface="Oxygen" panose="02000503000000000000" pitchFamily="2" charset="0"/>
-              </a:rPr>
-              <a:t>ompetitive </a:t>
-            </a:r>
-            <a:r>
-              <a:rPr lang="en-AU" sz="1200" b="1" dirty="0">
-                <a:solidFill>
-                  <a:srgbClr val="E27847"/>
-                </a:solidFill>
-                <a:latin typeface="Oxygen" panose="02000503000000000000" pitchFamily="2" charset="0"/>
-              </a:rPr>
-              <a:t>E</a:t>
-            </a:r>
-            <a:r>
-              <a:rPr lang="en-AU" sz="1200" b="1" dirty="0" smtClean="0">
-                <a:solidFill>
-                  <a:srgbClr val="E27847"/>
-                </a:solidFill>
-                <a:latin typeface="Oxygen" panose="02000503000000000000" pitchFamily="2" charset="0"/>
-              </a:rPr>
-              <a:t>xams</a:t>
+              <a:t>IIT/JEE/NEET &amp; Other Competitive Exams</a:t>
             </a:r>
           </a:p>
           <a:p>
@@ -3868,38 +3817,14 @@
               <a:buChar char="v"/>
             </a:pPr>
             <a:r>
-              <a:rPr lang="en-AU" sz="1200" b="1" dirty="0" smtClean="0">
-                <a:solidFill>
-                  <a:srgbClr val="E27847"/>
-                </a:solidFill>
-                <a:latin typeface="Oxygen" panose="02000503000000000000" pitchFamily="2" charset="0"/>
-              </a:rPr>
-              <a:t>Best Teachers in Town, Innovative Teaching </a:t>
-            </a:r>
-            <a:r>
               <a:rPr lang="en-AU" sz="1200" b="1" dirty="0">
                 <a:solidFill>
                   <a:srgbClr val="E27847"/>
                 </a:solidFill>
                 <a:latin typeface="Oxygen" panose="02000503000000000000" pitchFamily="2" charset="0"/>
               </a:rPr>
-              <a:t>P</a:t>
-            </a:r>
-            <a:r>
-              <a:rPr lang="en-AU" sz="1200" b="1" dirty="0" smtClean="0">
-                <a:solidFill>
-                  <a:srgbClr val="E27847"/>
-                </a:solidFill>
-                <a:latin typeface="Oxygen" panose="02000503000000000000" pitchFamily="2" charset="0"/>
-              </a:rPr>
-              <a:t>rocess</a:t>
-            </a:r>
-            <a:endParaRPr lang="en-AU" sz="1200" b="1" dirty="0">
-              <a:solidFill>
-                <a:srgbClr val="E27847"/>
-              </a:solidFill>
-              <a:latin typeface="Oxygen" panose="02000503000000000000" pitchFamily="2" charset="0"/>
-            </a:endParaRPr>
+              <a:t>Best Teachers in Town, Innovative Teaching Process</a:t>
+            </a:r>
           </a:p>
           <a:p>
             <a:pPr marL="171450" indent="-171450" algn="ctr">
@@ -3910,7 +3835,7 @@
               <a:buChar char="v"/>
             </a:pPr>
             <a:r>
-              <a:rPr lang="en-AU" sz="1200" b="1" dirty="0" smtClean="0">
+              <a:rPr lang="en-AU" sz="1200" b="1" dirty="0">
                 <a:solidFill>
                   <a:srgbClr val="E27847"/>
                 </a:solidFill>
@@ -3919,7 +3844,7 @@
               <a:t>Best Location, </a:t>
             </a:r>
             <a:r>
-              <a:rPr lang="en-US" sz="1200" b="1" dirty="0" smtClean="0">
+              <a:rPr lang="en-US" sz="1200" b="1" dirty="0">
                 <a:solidFill>
                   <a:srgbClr val="E27847"/>
                 </a:solidFill>
@@ -3937,31 +3862,13 @@
               <a:buChar char="v"/>
             </a:pPr>
             <a:r>
-              <a:rPr lang="en-US" sz="1200" b="1" dirty="0" smtClean="0">
-                <a:solidFill>
-                  <a:srgbClr val="E27847"/>
-                </a:solidFill>
-                <a:latin typeface="Oxygen" panose="02000503000000000000" pitchFamily="2" charset="0"/>
-              </a:rPr>
-              <a:t>Smart and Air-Conditioned </a:t>
-            </a:r>
-            <a:r>
               <a:rPr lang="en-US" sz="1200" b="1" dirty="0">
                 <a:solidFill>
                   <a:srgbClr val="E27847"/>
                 </a:solidFill>
                 <a:latin typeface="Oxygen" panose="02000503000000000000" pitchFamily="2" charset="0"/>
               </a:rPr>
-              <a:t>C</a:t>
-            </a:r>
-            <a:r>
-              <a:rPr lang="en-US" sz="1200" b="1" dirty="0" smtClean="0">
-                <a:solidFill>
-                  <a:srgbClr val="E27847"/>
-                </a:solidFill>
-                <a:latin typeface="Oxygen" panose="02000503000000000000" pitchFamily="2" charset="0"/>
-              </a:rPr>
-              <a:t>lassrooms</a:t>
+              <a:t>Smart and Air-Conditioned Classrooms</a:t>
             </a:r>
             <a:endParaRPr lang="en-AU" sz="1200" b="1" dirty="0">
               <a:solidFill>
@@ -3979,7 +3886,7 @@
               <a:buChar char="v"/>
             </a:pPr>
             <a:r>
-              <a:rPr lang="en-AU" sz="1200" b="1" dirty="0" smtClean="0">
+              <a:rPr lang="en-AU" sz="1200" b="1" dirty="0">
                 <a:solidFill>
                   <a:srgbClr val="E27847"/>
                 </a:solidFill>
@@ -3997,7 +3904,7 @@
               <a:buChar char="v"/>
             </a:pPr>
             <a:r>
-              <a:rPr lang="en-US" sz="1200" b="1" dirty="0" smtClean="0">
+              <a:rPr lang="en-US" sz="1200" b="1" dirty="0">
                 <a:solidFill>
                   <a:srgbClr val="E27847"/>
                 </a:solidFill>
@@ -4015,7 +3922,7 @@
               <a:buChar char="v"/>
             </a:pPr>
             <a:r>
-              <a:rPr lang="en-US" sz="1200" b="1" dirty="0" smtClean="0">
+              <a:rPr lang="en-US" sz="1200" b="1" dirty="0">
                 <a:solidFill>
                   <a:srgbClr val="E27847"/>
                 </a:solidFill>
@@ -4024,7 +3931,7 @@
               <a:t>Co-curricular Activities - Robotics, Coding, </a:t>
             </a:r>
             <a:r>
-              <a:rPr lang="en-US" sz="1200" b="1" dirty="0" err="1" smtClean="0">
+              <a:rPr lang="en-US" sz="1200" b="1" dirty="0" err="1">
                 <a:solidFill>
                   <a:srgbClr val="E27847"/>
                 </a:solidFill>
@@ -4033,7 +3940,7 @@
               <a:t>IoT</a:t>
             </a:r>
             <a:r>
-              <a:rPr lang="en-US" sz="1200" b="1" dirty="0" smtClean="0">
+              <a:rPr lang="en-US" sz="1200" b="1" dirty="0">
                 <a:solidFill>
                   <a:srgbClr val="E27847"/>
                 </a:solidFill>
@@ -4051,7 +3958,7 @@
               <a:buChar char="v"/>
             </a:pPr>
             <a:r>
-              <a:rPr lang="en-AU" sz="1200" b="1" dirty="0" smtClean="0">
+              <a:rPr lang="en-AU" sz="1200" b="1" dirty="0">
                 <a:solidFill>
                   <a:srgbClr val="E27847"/>
                 </a:solidFill>
@@ -4069,7 +3976,7 @@
               <a:buChar char="v"/>
             </a:pPr>
             <a:r>
-              <a:rPr lang="en-US" sz="1200" b="1" dirty="0" smtClean="0">
+              <a:rPr lang="en-US" sz="1200" b="1" dirty="0">
                 <a:solidFill>
                   <a:srgbClr val="E27847"/>
                 </a:solidFill>
@@ -4096,13 +4003,6 @@
   <p:clrMapOvr>
     <a:masterClrMapping/>
   </p:clrMapOvr>
-  <p:timing>
-    <p:tnLst>
-      <p:par>
-        <p:cTn id="1" dur="indefinite" restart="never" nodeType="tmRoot"/>
-      </p:par>
-    </p:tnLst>
-  </p:timing>
 </p:sld>
 </file>
 
@@ -4168,22 +4068,13 @@
               </a:lnSpc>
             </a:pPr>
             <a:r>
-              <a:rPr lang="en-AU" sz="1200" b="1" dirty="0" smtClean="0">
-                <a:solidFill>
-                  <a:srgbClr val="C86432"/>
-                </a:solidFill>
-                <a:latin typeface="Oxygen" panose="02000503000000000000" pitchFamily="2" charset="0"/>
-              </a:rPr>
-              <a:t>We Care For </a:t>
-            </a:r>
-            <a:r>
               <a:rPr lang="en-AU" sz="1200" b="1" dirty="0">
                 <a:solidFill>
                   <a:srgbClr val="C86432"/>
                 </a:solidFill>
                 <a:latin typeface="Oxygen" panose="02000503000000000000" pitchFamily="2" charset="0"/>
               </a:rPr>
-              <a:t>Our Talented Teachers</a:t>
+              <a:t>We Care For Our Talented Teachers</a:t>
             </a:r>
           </a:p>
           <a:p>
@@ -4323,38 +4214,14 @@
               <a:buChar char="v"/>
             </a:pPr>
             <a:r>
-              <a:rPr lang="en-AU" sz="1050" b="1" dirty="0" smtClean="0">
-                <a:solidFill>
-                  <a:srgbClr val="C86432"/>
-                </a:solidFill>
-                <a:latin typeface="Oxygen" panose="02000503000000000000" pitchFamily="2" charset="0"/>
-              </a:rPr>
-              <a:t>Individual Guidance for Each </a:t>
-            </a:r>
-            <a:r>
               <a:rPr lang="en-AU" sz="1050" b="1" dirty="0">
                 <a:solidFill>
                   <a:srgbClr val="C86432"/>
                 </a:solidFill>
                 <a:latin typeface="Oxygen" panose="02000503000000000000" pitchFamily="2" charset="0"/>
               </a:rPr>
-              <a:t>S</a:t>
-            </a:r>
-            <a:r>
-              <a:rPr lang="en-AU" sz="1050" b="1" dirty="0" smtClean="0">
-                <a:solidFill>
-                  <a:srgbClr val="C86432"/>
-                </a:solidFill>
-                <a:latin typeface="Oxygen" panose="02000503000000000000" pitchFamily="2" charset="0"/>
-              </a:rPr>
-              <a:t>tudent</a:t>
-            </a:r>
-            <a:endParaRPr lang="en-AU" sz="1050" b="1" dirty="0">
-              <a:solidFill>
-                <a:srgbClr val="C86432"/>
-              </a:solidFill>
-              <a:latin typeface="Oxygen" panose="02000503000000000000" pitchFamily="2" charset="0"/>
-            </a:endParaRPr>
+              <a:t>Individual Guidance for Each Student</a:t>
+            </a:r>
           </a:p>
           <a:p>
             <a:pPr marL="285744" indent="-285744">
@@ -4365,56 +4232,14 @@
               <a:buChar char="v"/>
             </a:pPr>
             <a:r>
-              <a:rPr lang="en-AU" sz="1050" b="1" dirty="0" smtClean="0">
-                <a:solidFill>
-                  <a:srgbClr val="C86432"/>
-                </a:solidFill>
-                <a:latin typeface="Oxygen" panose="02000503000000000000" pitchFamily="2" charset="0"/>
-              </a:rPr>
-              <a:t>Doubt </a:t>
-            </a:r>
-            <a:r>
               <a:rPr lang="en-AU" sz="1050" b="1" dirty="0">
                 <a:solidFill>
                   <a:srgbClr val="C86432"/>
                 </a:solidFill>
                 <a:latin typeface="Oxygen" panose="02000503000000000000" pitchFamily="2" charset="0"/>
               </a:rPr>
-              <a:t>C</a:t>
-            </a:r>
-            <a:r>
-              <a:rPr lang="en-AU" sz="1050" b="1" dirty="0" smtClean="0">
-                <a:solidFill>
-                  <a:srgbClr val="C86432"/>
-                </a:solidFill>
-                <a:latin typeface="Oxygen" panose="02000503000000000000" pitchFamily="2" charset="0"/>
-              </a:rPr>
-              <a:t>learing </a:t>
-            </a:r>
-            <a:r>
-              <a:rPr lang="en-AU" sz="1050" b="1" dirty="0">
-                <a:solidFill>
-                  <a:srgbClr val="C86432"/>
-                </a:solidFill>
-                <a:latin typeface="Oxygen" panose="02000503000000000000" pitchFamily="2" charset="0"/>
-              </a:rPr>
-              <a:t>S</a:t>
-            </a:r>
-            <a:r>
-              <a:rPr lang="en-AU" sz="1050" b="1" dirty="0" smtClean="0">
-                <a:solidFill>
-                  <a:srgbClr val="C86432"/>
-                </a:solidFill>
-                <a:latin typeface="Oxygen" panose="02000503000000000000" pitchFamily="2" charset="0"/>
-              </a:rPr>
-              <a:t>essions</a:t>
-            </a:r>
-            <a:endParaRPr lang="en-AU" sz="1050" b="1" dirty="0">
-              <a:solidFill>
-                <a:srgbClr val="C86432"/>
-              </a:solidFill>
-              <a:latin typeface="Oxygen" panose="02000503000000000000" pitchFamily="2" charset="0"/>
-            </a:endParaRPr>
+              <a:t>Doubt Clearing Sessions</a:t>
+            </a:r>
           </a:p>
           <a:p>
             <a:pPr marL="285744" indent="-285744">
@@ -4425,38 +4250,14 @@
               <a:buChar char="v"/>
             </a:pPr>
             <a:r>
-              <a:rPr lang="en-AU" sz="1050" b="1" dirty="0" smtClean="0">
-                <a:solidFill>
-                  <a:srgbClr val="C86432"/>
-                </a:solidFill>
-                <a:latin typeface="Oxygen" panose="02000503000000000000" pitchFamily="2" charset="0"/>
-              </a:rPr>
-              <a:t>Regular Mock </a:t>
-            </a:r>
-            <a:r>
               <a:rPr lang="en-AU" sz="1050" b="1" dirty="0">
                 <a:solidFill>
                   <a:srgbClr val="C86432"/>
                 </a:solidFill>
                 <a:latin typeface="Oxygen" panose="02000503000000000000" pitchFamily="2" charset="0"/>
               </a:rPr>
-              <a:t>E</a:t>
-            </a:r>
-            <a:r>
-              <a:rPr lang="en-AU" sz="1050" b="1" dirty="0" smtClean="0">
-                <a:solidFill>
-                  <a:srgbClr val="C86432"/>
-                </a:solidFill>
-                <a:latin typeface="Oxygen" panose="02000503000000000000" pitchFamily="2" charset="0"/>
-              </a:rPr>
-              <a:t>xams</a:t>
-            </a:r>
-            <a:endParaRPr lang="en-AU" sz="1050" b="1" dirty="0">
-              <a:solidFill>
-                <a:srgbClr val="C86432"/>
-              </a:solidFill>
-              <a:latin typeface="Oxygen" panose="02000503000000000000" pitchFamily="2" charset="0"/>
-            </a:endParaRPr>
+              <a:t>Regular Mock Exams</a:t>
+            </a:r>
           </a:p>
           <a:p>
             <a:pPr marL="285744" indent="-285744">
@@ -4467,31 +4268,13 @@
               <a:buChar char="v"/>
             </a:pPr>
             <a:r>
-              <a:rPr lang="en-AU" sz="1050" b="1" dirty="0" smtClean="0">
-                <a:solidFill>
-                  <a:srgbClr val="C86432"/>
-                </a:solidFill>
-                <a:latin typeface="Oxygen" panose="02000503000000000000" pitchFamily="2" charset="0"/>
-              </a:rPr>
-              <a:t>Parent-Teacher </a:t>
-            </a:r>
-            <a:r>
               <a:rPr lang="en-AU" sz="1050" b="1" dirty="0">
                 <a:solidFill>
                   <a:srgbClr val="C86432"/>
                 </a:solidFill>
                 <a:latin typeface="Oxygen" panose="02000503000000000000" pitchFamily="2" charset="0"/>
               </a:rPr>
-              <a:t>M</a:t>
-            </a:r>
-            <a:r>
-              <a:rPr lang="en-AU" sz="1050" b="1" dirty="0" smtClean="0">
-                <a:solidFill>
-                  <a:srgbClr val="C86432"/>
-                </a:solidFill>
-                <a:latin typeface="Oxygen" panose="02000503000000000000" pitchFamily="2" charset="0"/>
-              </a:rPr>
-              <a:t>eetings &amp; 360</a:t>
+              <a:t>Parent-Teacher Meetings &amp; 360</a:t>
             </a:r>
             <a:r>
               <a:rPr lang="en-AU" sz="1100" b="1" baseline="30000" dirty="0">
@@ -4503,7 +4286,7 @@
               <a:t>o</a:t>
             </a:r>
             <a:r>
-              <a:rPr lang="en-AU" sz="1050" b="1" dirty="0" smtClean="0">
+              <a:rPr lang="en-AU" sz="1050" b="1" dirty="0">
                 <a:solidFill>
                   <a:srgbClr val="C86432"/>
                 </a:solidFill>
@@ -4511,12 +4294,6 @@
               </a:rPr>
               <a:t> Feedbacks</a:t>
             </a:r>
-            <a:endParaRPr lang="en-AU" sz="1050" b="1" dirty="0">
-              <a:solidFill>
-                <a:srgbClr val="C86432"/>
-              </a:solidFill>
-              <a:latin typeface="Oxygen" panose="02000503000000000000" pitchFamily="2" charset="0"/>
-            </a:endParaRPr>
           </a:p>
           <a:p>
             <a:pPr marL="285744" indent="-285744">
@@ -4527,7 +4304,7 @@
               <a:buChar char="v"/>
             </a:pPr>
             <a:r>
-              <a:rPr lang="en-AU" sz="1050" b="1" dirty="0" smtClean="0">
+              <a:rPr lang="en-AU" sz="1050" b="1" dirty="0">
                 <a:solidFill>
                   <a:srgbClr val="C86432"/>
                 </a:solidFill>
@@ -4545,7 +4322,7 @@
               <a:buChar char="v"/>
             </a:pPr>
             <a:r>
-              <a:rPr lang="en-AU" sz="1050" b="1" dirty="0" smtClean="0">
+              <a:rPr lang="en-AU" sz="1050" b="1" dirty="0">
                 <a:solidFill>
                   <a:srgbClr val="C86432"/>
                 </a:solidFill>
@@ -5580,13 +5357,6 @@
   <p:clrMapOvr>
     <a:masterClrMapping/>
   </p:clrMapOvr>
-  <p:timing>
-    <p:tnLst>
-      <p:par>
-        <p:cTn id="1" dur="indefinite" restart="never" nodeType="tmRoot"/>
-      </p:par>
-    </p:tnLst>
-  </p:timing>
 </p:sld>
 </file>
 
@@ -5744,13 +5514,6 @@
   <p:clrMapOvr>
     <a:masterClrMapping/>
   </p:clrMapOvr>
-  <p:timing>
-    <p:tnLst>
-      <p:par>
-        <p:cTn id="1" dur="indefinite" restart="never" nodeType="tmRoot"/>
-      </p:par>
-    </p:tnLst>
-  </p:timing>
 </p:sld>
 </file>
 
@@ -5870,13 +5633,6 @@
   <p:clrMapOvr>
     <a:masterClrMapping/>
   </p:clrMapOvr>
-  <p:timing>
-    <p:tnLst>
-      <p:par>
-        <p:cTn id="1" dur="indefinite" restart="never" nodeType="tmRoot"/>
-      </p:par>
-    </p:tnLst>
-  </p:timing>
 </p:sld>
 </file>
 
